--- a/BUS243_NLP/lecture_notes/Presentation1.pptx
+++ b/BUS243_NLP/lecture_notes/Presentation1.pptx
@@ -6,12 +6,14 @@
   </p:sldMasterIdLst>
   <p:sldIdLst>
     <p:sldId id="256" r:id="rId2"/>
-    <p:sldId id="257" r:id="rId3"/>
-    <p:sldId id="258" r:id="rId4"/>
-    <p:sldId id="259" r:id="rId5"/>
-    <p:sldId id="260" r:id="rId6"/>
-    <p:sldId id="261" r:id="rId7"/>
-    <p:sldId id="262" r:id="rId8"/>
+    <p:sldId id="263" r:id="rId3"/>
+    <p:sldId id="264" r:id="rId4"/>
+    <p:sldId id="257" r:id="rId5"/>
+    <p:sldId id="258" r:id="rId6"/>
+    <p:sldId id="259" r:id="rId7"/>
+    <p:sldId id="260" r:id="rId8"/>
+    <p:sldId id="261" r:id="rId9"/>
+    <p:sldId id="262" r:id="rId10"/>
   </p:sldIdLst>
   <p:sldSz cx="12192000" cy="6858000"/>
   <p:notesSz cx="6858000" cy="9144000"/>
@@ -267,7 +269,7 @@
             <a:fld id="{3F9AFA87-1417-4992-ABD9-27C3BC8CC883}" type="datetimeFigureOut">
               <a:rPr lang="en-US" smtClean="0"/>
               <a:pPr algn="r"/>
-              <a:t>1/11/23</a:t>
+              <a:t>2/27/23</a:t>
             </a:fld>
             <a:endParaRPr lang="en-US" dirty="0"/>
           </a:p>
@@ -466,7 +468,7 @@
           <a:p>
             <a:fld id="{3F9AFA87-1417-4992-ABD9-27C3BC8CC883}" type="datetimeFigureOut">
               <a:rPr lang="en-US" smtClean="0"/>
-              <a:t>1/11/23</a:t>
+              <a:t>2/27/23</a:t>
             </a:fld>
             <a:endParaRPr lang="en-US"/>
           </a:p>
@@ -674,7 +676,7 @@
           <a:p>
             <a:fld id="{3F9AFA87-1417-4992-ABD9-27C3BC8CC883}" type="datetimeFigureOut">
               <a:rPr lang="en-US" smtClean="0"/>
-              <a:t>1/11/23</a:t>
+              <a:t>2/27/23</a:t>
             </a:fld>
             <a:endParaRPr lang="en-US"/>
           </a:p>
@@ -872,7 +874,7 @@
           <a:p>
             <a:fld id="{3F9AFA87-1417-4992-ABD9-27C3BC8CC883}" type="datetimeFigureOut">
               <a:rPr lang="en-US" smtClean="0"/>
-              <a:t>1/11/23</a:t>
+              <a:t>2/27/23</a:t>
             </a:fld>
             <a:endParaRPr lang="en-US"/>
           </a:p>
@@ -1147,7 +1149,7 @@
           <a:p>
             <a:fld id="{3F9AFA87-1417-4992-ABD9-27C3BC8CC883}" type="datetimeFigureOut">
               <a:rPr lang="en-US" smtClean="0"/>
-              <a:t>1/11/23</a:t>
+              <a:t>2/27/23</a:t>
             </a:fld>
             <a:endParaRPr lang="en-US"/>
           </a:p>
@@ -1412,7 +1414,7 @@
           <a:p>
             <a:fld id="{3F9AFA87-1417-4992-ABD9-27C3BC8CC883}" type="datetimeFigureOut">
               <a:rPr lang="en-US" smtClean="0"/>
-              <a:t>1/11/23</a:t>
+              <a:t>2/27/23</a:t>
             </a:fld>
             <a:endParaRPr lang="en-US" dirty="0"/>
           </a:p>
@@ -1826,7 +1828,7 @@
             <a:fld id="{3F9AFA87-1417-4992-ABD9-27C3BC8CC883}" type="datetimeFigureOut">
               <a:rPr lang="en-US" smtClean="0"/>
               <a:pPr algn="r"/>
-              <a:t>1/11/23</a:t>
+              <a:t>2/27/23</a:t>
             </a:fld>
             <a:endParaRPr lang="en-US" dirty="0"/>
           </a:p>
@@ -1968,7 +1970,7 @@
           <a:p>
             <a:fld id="{3F9AFA87-1417-4992-ABD9-27C3BC8CC883}" type="datetimeFigureOut">
               <a:rPr lang="en-US" smtClean="0"/>
-              <a:t>1/11/23</a:t>
+              <a:t>2/27/23</a:t>
             </a:fld>
             <a:endParaRPr lang="en-US"/>
           </a:p>
@@ -2081,7 +2083,7 @@
           <a:p>
             <a:fld id="{3F9AFA87-1417-4992-ABD9-27C3BC8CC883}" type="datetimeFigureOut">
               <a:rPr lang="en-US" smtClean="0"/>
-              <a:t>1/11/23</a:t>
+              <a:t>2/27/23</a:t>
             </a:fld>
             <a:endParaRPr lang="en-US"/>
           </a:p>
@@ -2392,7 +2394,7 @@
           <a:p>
             <a:fld id="{3F9AFA87-1417-4992-ABD9-27C3BC8CC883}" type="datetimeFigureOut">
               <a:rPr lang="en-US" smtClean="0"/>
-              <a:t>1/11/23</a:t>
+              <a:t>2/27/23</a:t>
             </a:fld>
             <a:endParaRPr lang="en-US"/>
           </a:p>
@@ -2680,7 +2682,7 @@
           <a:p>
             <a:fld id="{3F9AFA87-1417-4992-ABD9-27C3BC8CC883}" type="datetimeFigureOut">
               <a:rPr lang="en-US" smtClean="0"/>
-              <a:t>1/11/23</a:t>
+              <a:t>2/27/23</a:t>
             </a:fld>
             <a:endParaRPr lang="en-US"/>
           </a:p>
@@ -2923,7 +2925,7 @@
             <a:fld id="{3F9AFA87-1417-4992-ABD9-27C3BC8CC883}" type="datetimeFigureOut">
               <a:rPr lang="en-US" smtClean="0"/>
               <a:pPr algn="r"/>
-              <a:t>1/11/23</a:t>
+              <a:t>2/27/23</a:t>
             </a:fld>
             <a:endParaRPr lang="en-US" dirty="0"/>
           </a:p>
@@ -3368,7 +3370,7 @@
         <p:spPr>
           <a:xfrm>
             <a:off x="762000" y="743804"/>
-            <a:ext cx="4102609" cy="3793482"/>
+            <a:ext cx="4692869" cy="3793482"/>
           </a:xfrm>
         </p:spPr>
         <p:txBody>
@@ -3379,8 +3381,15 @@
           <a:p>
             <a:pPr algn="l"/>
             <a:r>
-              <a:rPr lang="en-US" dirty="0"/>
-              <a:t>Lecture 1	</a:t>
+              <a:rPr lang="en-US" sz="3000" b="1" dirty="0"/>
+              <a:t>Introduction to </a:t>
+            </a:r>
+            <a:br>
+              <a:rPr lang="en-US" sz="3000" b="1" dirty="0"/>
+            </a:br>
+            <a:r>
+              <a:rPr lang="en-US" sz="3000" b="1" dirty="0"/>
+              <a:t>Natural Language Processing</a:t>
             </a:r>
           </a:p>
         </p:txBody>
@@ -3414,7 +3423,28 @@
           <a:lstStyle/>
           <a:p>
             <a:pPr algn="l"/>
-            <a:endParaRPr lang="en-US"/>
+            <a:r>
+              <a:rPr lang="en-US" dirty="0"/>
+              <a:t>BUS 243 F: Spring 2023</a:t>
+            </a:r>
+          </a:p>
+          <a:p>
+            <a:pPr algn="l"/>
+            <a:r>
+              <a:rPr lang="en-US" dirty="0" err="1"/>
+              <a:t>Yeabin</a:t>
+            </a:r>
+            <a:r>
+              <a:rPr lang="en-US" dirty="0"/>
+              <a:t> Moon</a:t>
+            </a:r>
+          </a:p>
+          <a:p>
+            <a:pPr algn="l"/>
+            <a:r>
+              <a:rPr lang="en-US" dirty="0"/>
+              <a:t>Lecture 1</a:t>
+            </a:r>
           </a:p>
         </p:txBody>
       </p:sp>
@@ -3439,8 +3469,8 @@
         </p:blipFill>
         <p:spPr>
           <a:xfrm>
-            <a:off x="5349241" y="10"/>
-            <a:ext cx="6842759" cy="6857990"/>
+            <a:off x="6495393" y="10"/>
+            <a:ext cx="5696607" cy="6857990"/>
           </a:xfrm>
           <a:prstGeom prst="rect">
             <a:avLst/>
@@ -3461,6 +3491,309 @@
 </file>
 
 <file path=ppt/slides/slide2.xml><?xml version="1.0" encoding="utf-8"?>
+<p:sld xmlns:a="http://schemas.openxmlformats.org/drawingml/2006/main" xmlns:r="http://schemas.openxmlformats.org/officeDocument/2006/relationships" xmlns:p="http://schemas.openxmlformats.org/presentationml/2006/main">
+  <p:cSld>
+    <p:spTree>
+      <p:nvGrpSpPr>
+        <p:cNvPr id="1" name=""/>
+        <p:cNvGrpSpPr/>
+        <p:nvPr/>
+      </p:nvGrpSpPr>
+      <p:grpSpPr>
+        <a:xfrm>
+          <a:off x="0" y="0"/>
+          <a:ext cx="0" cy="0"/>
+          <a:chOff x="0" y="0"/>
+          <a:chExt cx="0" cy="0"/>
+        </a:xfrm>
+      </p:grpSpPr>
+      <p:sp>
+        <p:nvSpPr>
+          <p:cNvPr id="2" name="Title 1">
+            <a:extLst>
+              <a:ext uri="{FF2B5EF4-FFF2-40B4-BE49-F238E27FC236}">
+                <a16:creationId xmlns:a16="http://schemas.microsoft.com/office/drawing/2014/main" id="{52579218-F8DC-898E-531C-9F3571AC1239}"/>
+              </a:ext>
+            </a:extLst>
+          </p:cNvPr>
+          <p:cNvSpPr>
+            <a:spLocks noGrp="1"/>
+          </p:cNvSpPr>
+          <p:nvPr>
+            <p:ph type="title"/>
+          </p:nvPr>
+        </p:nvSpPr>
+        <p:spPr/>
+        <p:txBody>
+          <a:bodyPr/>
+          <a:lstStyle/>
+          <a:p>
+            <a:r>
+              <a:rPr lang="en-US" dirty="0"/>
+              <a:t>Lecture Plan</a:t>
+            </a:r>
+          </a:p>
+        </p:txBody>
+      </p:sp>
+      <p:sp>
+        <p:nvSpPr>
+          <p:cNvPr id="3" name="Content Placeholder 2">
+            <a:extLst>
+              <a:ext uri="{FF2B5EF4-FFF2-40B4-BE49-F238E27FC236}">
+                <a16:creationId xmlns:a16="http://schemas.microsoft.com/office/drawing/2014/main" id="{5202D78F-C828-F306-9EA1-96EA31F48032}"/>
+              </a:ext>
+            </a:extLst>
+          </p:cNvPr>
+          <p:cNvSpPr>
+            <a:spLocks noGrp="1"/>
+          </p:cNvSpPr>
+          <p:nvPr>
+            <p:ph idx="1"/>
+          </p:nvPr>
+        </p:nvSpPr>
+        <p:spPr/>
+        <p:txBody>
+          <a:bodyPr/>
+          <a:lstStyle/>
+          <a:p>
+            <a:r>
+              <a:rPr lang="en-US" dirty="0"/>
+              <a:t>Each lecture consists of two parts (10 mins break between)</a:t>
+            </a:r>
+          </a:p>
+          <a:p>
+            <a:r>
+              <a:rPr lang="en-US" dirty="0"/>
+              <a:t>Part 1</a:t>
+            </a:r>
+          </a:p>
+          <a:p>
+            <a:pPr lvl="1"/>
+            <a:r>
+              <a:rPr lang="en-US" dirty="0"/>
+              <a:t>The course</a:t>
+            </a:r>
+          </a:p>
+          <a:p>
+            <a:pPr lvl="1"/>
+            <a:r>
+              <a:rPr lang="en-US" dirty="0"/>
+              <a:t>NLP overview: what is it?</a:t>
+            </a:r>
+          </a:p>
+          <a:p>
+            <a:pPr lvl="1"/>
+            <a:r>
+              <a:rPr lang="en-US" dirty="0"/>
+              <a:t>NLP application</a:t>
+            </a:r>
+          </a:p>
+          <a:p>
+            <a:pPr lvl="1"/>
+            <a:r>
+              <a:rPr lang="en-US" dirty="0"/>
+              <a:t>Text representation</a:t>
+            </a:r>
+          </a:p>
+          <a:p>
+            <a:r>
+              <a:rPr lang="en-US" dirty="0"/>
+              <a:t>Part 2</a:t>
+            </a:r>
+          </a:p>
+          <a:p>
+            <a:pPr lvl="1"/>
+            <a:r>
+              <a:rPr lang="en-US" dirty="0"/>
+              <a:t>OOP</a:t>
+            </a:r>
+          </a:p>
+          <a:p>
+            <a:pPr lvl="1"/>
+            <a:r>
+              <a:rPr lang="en-US" dirty="0"/>
+              <a:t>Regular expression</a:t>
+            </a:r>
+          </a:p>
+          <a:p>
+            <a:pPr lvl="1"/>
+            <a:r>
+              <a:rPr lang="en-US" dirty="0"/>
+              <a:t>Matrix Algebra</a:t>
+            </a:r>
+          </a:p>
+        </p:txBody>
+      </p:sp>
+    </p:spTree>
+    <p:extLst>
+      <p:ext uri="{BB962C8B-B14F-4D97-AF65-F5344CB8AC3E}">
+        <p14:creationId xmlns:p14="http://schemas.microsoft.com/office/powerpoint/2010/main" val="1867925097"/>
+      </p:ext>
+    </p:extLst>
+  </p:cSld>
+  <p:clrMapOvr>
+    <a:masterClrMapping/>
+  </p:clrMapOvr>
+</p:sld>
+</file>
+
+<file path=ppt/slides/slide3.xml><?xml version="1.0" encoding="utf-8"?>
+<p:sld xmlns:a="http://schemas.openxmlformats.org/drawingml/2006/main" xmlns:r="http://schemas.openxmlformats.org/officeDocument/2006/relationships" xmlns:p="http://schemas.openxmlformats.org/presentationml/2006/main">
+  <p:cSld>
+    <p:spTree>
+      <p:nvGrpSpPr>
+        <p:cNvPr id="1" name=""/>
+        <p:cNvGrpSpPr/>
+        <p:nvPr/>
+      </p:nvGrpSpPr>
+      <p:grpSpPr>
+        <a:xfrm>
+          <a:off x="0" y="0"/>
+          <a:ext cx="0" cy="0"/>
+          <a:chOff x="0" y="0"/>
+          <a:chExt cx="0" cy="0"/>
+        </a:xfrm>
+      </p:grpSpPr>
+      <p:sp>
+        <p:nvSpPr>
+          <p:cNvPr id="2" name="Title 1">
+            <a:extLst>
+              <a:ext uri="{FF2B5EF4-FFF2-40B4-BE49-F238E27FC236}">
+                <a16:creationId xmlns:a16="http://schemas.microsoft.com/office/drawing/2014/main" id="{2F8079D9-AF4A-9A3D-0170-FE4F959C8642}"/>
+              </a:ext>
+            </a:extLst>
+          </p:cNvPr>
+          <p:cNvSpPr>
+            <a:spLocks noGrp="1"/>
+          </p:cNvSpPr>
+          <p:nvPr>
+            <p:ph type="title"/>
+          </p:nvPr>
+        </p:nvSpPr>
+        <p:spPr/>
+        <p:txBody>
+          <a:bodyPr/>
+          <a:lstStyle/>
+          <a:p>
+            <a:r>
+              <a:rPr lang="en-US" dirty="0"/>
+              <a:t>Logistics in Brief</a:t>
+            </a:r>
+          </a:p>
+        </p:txBody>
+      </p:sp>
+      <p:sp>
+        <p:nvSpPr>
+          <p:cNvPr id="3" name="Content Placeholder 2">
+            <a:extLst>
+              <a:ext uri="{FF2B5EF4-FFF2-40B4-BE49-F238E27FC236}">
+                <a16:creationId xmlns:a16="http://schemas.microsoft.com/office/drawing/2014/main" id="{35150CDC-F4E6-ECBA-7AE9-80D04D3C26AA}"/>
+              </a:ext>
+            </a:extLst>
+          </p:cNvPr>
+          <p:cNvSpPr>
+            <a:spLocks noGrp="1"/>
+          </p:cNvSpPr>
+          <p:nvPr>
+            <p:ph idx="1"/>
+          </p:nvPr>
+        </p:nvSpPr>
+        <p:spPr/>
+        <p:txBody>
+          <a:bodyPr>
+            <a:normAutofit fontScale="92500" lnSpcReduction="10000"/>
+          </a:bodyPr>
+          <a:lstStyle/>
+          <a:p>
+            <a:pPr>
+              <a:lnSpc>
+                <a:spcPct val="170000"/>
+              </a:lnSpc>
+            </a:pPr>
+            <a:r>
+              <a:rPr lang="en-US" dirty="0"/>
+              <a:t>Instructor: </a:t>
+            </a:r>
+            <a:r>
+              <a:rPr lang="en-US" dirty="0" err="1"/>
+              <a:t>Yeabin</a:t>
+            </a:r>
+            <a:r>
+              <a:rPr lang="en-US" dirty="0"/>
+              <a:t> Moon</a:t>
+            </a:r>
+          </a:p>
+          <a:p>
+            <a:pPr>
+              <a:lnSpc>
+                <a:spcPct val="170000"/>
+              </a:lnSpc>
+            </a:pPr>
+            <a:r>
+              <a:rPr lang="en-US" dirty="0"/>
+              <a:t>TA: Jiawei Fan</a:t>
+            </a:r>
+          </a:p>
+          <a:p>
+            <a:pPr>
+              <a:lnSpc>
+                <a:spcPct val="170000"/>
+              </a:lnSpc>
+            </a:pPr>
+            <a:r>
+              <a:rPr lang="en-US" dirty="0"/>
+              <a:t>Office hours: see the syllabus</a:t>
+            </a:r>
+          </a:p>
+          <a:p>
+            <a:pPr>
+              <a:lnSpc>
+                <a:spcPct val="170000"/>
+              </a:lnSpc>
+            </a:pPr>
+            <a:r>
+              <a:rPr lang="en-US" dirty="0"/>
+              <a:t>We’ve put a lot of resources on the Latte page</a:t>
+            </a:r>
+          </a:p>
+          <a:p>
+            <a:pPr lvl="1">
+              <a:lnSpc>
+                <a:spcPct val="170000"/>
+              </a:lnSpc>
+            </a:pPr>
+            <a:r>
+              <a:rPr lang="en-US" dirty="0"/>
+              <a:t>Syllabus / Announcement / course materials / homework</a:t>
+            </a:r>
+          </a:p>
+          <a:p>
+            <a:pPr>
+              <a:lnSpc>
+                <a:spcPct val="170000"/>
+              </a:lnSpc>
+            </a:pPr>
+            <a:r>
+              <a:rPr lang="en-US" dirty="0"/>
+              <a:t>Lecture materials uploaded before each lecture</a:t>
+            </a:r>
+          </a:p>
+        </p:txBody>
+      </p:sp>
+    </p:spTree>
+    <p:extLst>
+      <p:ext uri="{BB962C8B-B14F-4D97-AF65-F5344CB8AC3E}">
+        <p14:creationId xmlns:p14="http://schemas.microsoft.com/office/powerpoint/2010/main" val="3812765066"/>
+      </p:ext>
+    </p:extLst>
+  </p:cSld>
+  <p:clrMapOvr>
+    <a:masterClrMapping/>
+  </p:clrMapOvr>
+</p:sld>
+</file>
+
+<file path=ppt/slides/slide4.xml><?xml version="1.0" encoding="utf-8"?>
 <p:sld xmlns:a="http://schemas.openxmlformats.org/drawingml/2006/main" xmlns:r="http://schemas.openxmlformats.org/officeDocument/2006/relationships" xmlns:p="http://schemas.openxmlformats.org/presentationml/2006/main">
   <p:cSld>
     <p:bg>
@@ -3905,214 +4238,6 @@
 </p:sld>
 </file>
 
-<file path=ppt/slides/slide3.xml><?xml version="1.0" encoding="utf-8"?>
-<p:sld xmlns:a="http://schemas.openxmlformats.org/drawingml/2006/main" xmlns:r="http://schemas.openxmlformats.org/officeDocument/2006/relationships" xmlns:p="http://schemas.openxmlformats.org/presentationml/2006/main">
-  <p:cSld>
-    <p:spTree>
-      <p:nvGrpSpPr>
-        <p:cNvPr id="1" name=""/>
-        <p:cNvGrpSpPr/>
-        <p:nvPr/>
-      </p:nvGrpSpPr>
-      <p:grpSpPr>
-        <a:xfrm>
-          <a:off x="0" y="0"/>
-          <a:ext cx="0" cy="0"/>
-          <a:chOff x="0" y="0"/>
-          <a:chExt cx="0" cy="0"/>
-        </a:xfrm>
-      </p:grpSpPr>
-      <p:sp>
-        <p:nvSpPr>
-          <p:cNvPr id="2" name="Title 1">
-            <a:extLst>
-              <a:ext uri="{FF2B5EF4-FFF2-40B4-BE49-F238E27FC236}">
-                <a16:creationId xmlns:a16="http://schemas.microsoft.com/office/drawing/2014/main" id="{B01F7AE2-5FAA-DE79-F898-C303993AAD33}"/>
-              </a:ext>
-            </a:extLst>
-          </p:cNvPr>
-          <p:cNvSpPr>
-            <a:spLocks noGrp="1"/>
-          </p:cNvSpPr>
-          <p:nvPr>
-            <p:ph type="title"/>
-          </p:nvPr>
-        </p:nvSpPr>
-        <p:spPr/>
-        <p:txBody>
-          <a:bodyPr/>
-          <a:lstStyle/>
-          <a:p>
-            <a:r>
-              <a:rPr lang="en-US" dirty="0"/>
-              <a:t>What is Natural language Processing?</a:t>
-            </a:r>
-          </a:p>
-        </p:txBody>
-      </p:sp>
-      <p:sp>
-        <p:nvSpPr>
-          <p:cNvPr id="3" name="Content Placeholder 2">
-            <a:extLst>
-              <a:ext uri="{FF2B5EF4-FFF2-40B4-BE49-F238E27FC236}">
-                <a16:creationId xmlns:a16="http://schemas.microsoft.com/office/drawing/2014/main" id="{100923E7-E7ED-B6FC-3E94-C19095F851F5}"/>
-              </a:ext>
-            </a:extLst>
-          </p:cNvPr>
-          <p:cNvSpPr>
-            <a:spLocks noGrp="1"/>
-          </p:cNvSpPr>
-          <p:nvPr>
-            <p:ph idx="1"/>
-          </p:nvPr>
-        </p:nvSpPr>
-        <p:spPr/>
-        <p:txBody>
-          <a:bodyPr/>
-          <a:lstStyle/>
-          <a:p>
-            <a:r>
-              <a:rPr lang="en-US" dirty="0"/>
-              <a:t>How do we learn language?</a:t>
-            </a:r>
-          </a:p>
-          <a:p>
-            <a:pPr lvl="1"/>
-            <a:r>
-              <a:rPr lang="en-US" dirty="0"/>
-              <a:t>Linguistic sense</a:t>
-            </a:r>
-          </a:p>
-          <a:p>
-            <a:pPr lvl="1"/>
-            <a:r>
-              <a:rPr lang="en-US" dirty="0"/>
-              <a:t>Context</a:t>
-            </a:r>
-          </a:p>
-          <a:p>
-            <a:pPr lvl="1"/>
-            <a:endParaRPr lang="en-US" dirty="0"/>
-          </a:p>
-          <a:p>
-            <a:pPr lvl="1"/>
-            <a:endParaRPr lang="en-US" dirty="0"/>
-          </a:p>
-        </p:txBody>
-      </p:sp>
-    </p:spTree>
-    <p:extLst>
-      <p:ext uri="{BB962C8B-B14F-4D97-AF65-F5344CB8AC3E}">
-        <p14:creationId xmlns:p14="http://schemas.microsoft.com/office/powerpoint/2010/main" val="3379375216"/>
-      </p:ext>
-    </p:extLst>
-  </p:cSld>
-  <p:clrMapOvr>
-    <a:masterClrMapping/>
-  </p:clrMapOvr>
-</p:sld>
-</file>
-
-<file path=ppt/slides/slide4.xml><?xml version="1.0" encoding="utf-8"?>
-<p:sld xmlns:a="http://schemas.openxmlformats.org/drawingml/2006/main" xmlns:r="http://schemas.openxmlformats.org/officeDocument/2006/relationships" xmlns:p="http://schemas.openxmlformats.org/presentationml/2006/main">
-  <p:cSld>
-    <p:spTree>
-      <p:nvGrpSpPr>
-        <p:cNvPr id="1" name=""/>
-        <p:cNvGrpSpPr/>
-        <p:nvPr/>
-      </p:nvGrpSpPr>
-      <p:grpSpPr>
-        <a:xfrm>
-          <a:off x="0" y="0"/>
-          <a:ext cx="0" cy="0"/>
-          <a:chOff x="0" y="0"/>
-          <a:chExt cx="0" cy="0"/>
-        </a:xfrm>
-      </p:grpSpPr>
-      <p:sp>
-        <p:nvSpPr>
-          <p:cNvPr id="2" name="Title 1">
-            <a:extLst>
-              <a:ext uri="{FF2B5EF4-FFF2-40B4-BE49-F238E27FC236}">
-                <a16:creationId xmlns:a16="http://schemas.microsoft.com/office/drawing/2014/main" id="{E4E69EB8-EB6F-F238-C714-3F161CFB0AAE}"/>
-              </a:ext>
-            </a:extLst>
-          </p:cNvPr>
-          <p:cNvSpPr>
-            <a:spLocks noGrp="1"/>
-          </p:cNvSpPr>
-          <p:nvPr>
-            <p:ph type="title"/>
-          </p:nvPr>
-        </p:nvSpPr>
-        <p:spPr/>
-        <p:txBody>
-          <a:bodyPr/>
-          <a:lstStyle/>
-          <a:p>
-            <a:r>
-              <a:rPr lang="en-US" dirty="0"/>
-              <a:t>It is hard</a:t>
-            </a:r>
-          </a:p>
-        </p:txBody>
-      </p:sp>
-      <p:sp>
-        <p:nvSpPr>
-          <p:cNvPr id="3" name="Content Placeholder 2">
-            <a:extLst>
-              <a:ext uri="{FF2B5EF4-FFF2-40B4-BE49-F238E27FC236}">
-                <a16:creationId xmlns:a16="http://schemas.microsoft.com/office/drawing/2014/main" id="{984E85C1-E770-18F5-7258-F128B8E09C96}"/>
-              </a:ext>
-            </a:extLst>
-          </p:cNvPr>
-          <p:cNvSpPr>
-            <a:spLocks noGrp="1"/>
-          </p:cNvSpPr>
-          <p:nvPr>
-            <p:ph idx="1"/>
-          </p:nvPr>
-        </p:nvSpPr>
-        <p:spPr/>
-        <p:txBody>
-          <a:bodyPr/>
-          <a:lstStyle/>
-          <a:p>
-            <a:r>
-              <a:rPr lang="en-US" dirty="0"/>
-              <a:t>More than 60 percent customers have a bad experience with a chatbot customer service</a:t>
-            </a:r>
-          </a:p>
-          <a:p>
-            <a:pPr lvl="1"/>
-            <a:r>
-              <a:rPr lang="en-US" dirty="0"/>
-              <a:t>Even in the case when the chatbot solved the situation</a:t>
-            </a:r>
-          </a:p>
-          <a:p>
-            <a:pPr lvl="1"/>
-            <a:r>
-              <a:rPr lang="en-US" dirty="0"/>
-              <a:t>Why?</a:t>
-            </a:r>
-          </a:p>
-        </p:txBody>
-      </p:sp>
-    </p:spTree>
-    <p:extLst>
-      <p:ext uri="{BB962C8B-B14F-4D97-AF65-F5344CB8AC3E}">
-        <p14:creationId xmlns:p14="http://schemas.microsoft.com/office/powerpoint/2010/main" val="1149547509"/>
-      </p:ext>
-    </p:extLst>
-  </p:cSld>
-  <p:clrMapOvr>
-    <a:masterClrMapping/>
-  </p:clrMapOvr>
-</p:sld>
-</file>
-
 <file path=ppt/slides/slide5.xml><?xml version="1.0" encoding="utf-8"?>
 <p:sld xmlns:a="http://schemas.openxmlformats.org/drawingml/2006/main" xmlns:r="http://schemas.openxmlformats.org/officeDocument/2006/relationships" xmlns:p="http://schemas.openxmlformats.org/presentationml/2006/main">
   <p:cSld>
@@ -4135,7 +4260,7 @@
           <p:cNvPr id="2" name="Title 1">
             <a:extLst>
               <a:ext uri="{FF2B5EF4-FFF2-40B4-BE49-F238E27FC236}">
-                <a16:creationId xmlns:a16="http://schemas.microsoft.com/office/drawing/2014/main" id="{0781185C-3ABC-2FB0-EE98-A9DC08F7C70B}"/>
+                <a16:creationId xmlns:a16="http://schemas.microsoft.com/office/drawing/2014/main" id="{B01F7AE2-5FAA-DE79-F898-C303993AAD33}"/>
               </a:ext>
             </a:extLst>
           </p:cNvPr>
@@ -4153,7 +4278,7 @@
           <a:p>
             <a:r>
               <a:rPr lang="en-US" dirty="0"/>
-              <a:t>Text representation</a:t>
+              <a:t>What is Natural language Processing?</a:t>
             </a:r>
           </a:p>
         </p:txBody>
@@ -4163,7 +4288,7 @@
           <p:cNvPr id="3" name="Content Placeholder 2">
             <a:extLst>
               <a:ext uri="{FF2B5EF4-FFF2-40B4-BE49-F238E27FC236}">
-                <a16:creationId xmlns:a16="http://schemas.microsoft.com/office/drawing/2014/main" id="{376C009E-1FF8-AA1F-C2A3-82B1D3380827}"/>
+                <a16:creationId xmlns:a16="http://schemas.microsoft.com/office/drawing/2014/main" id="{100923E7-E7ED-B6FC-3E94-C19095F851F5}"/>
               </a:ext>
             </a:extLst>
           </p:cNvPr>
@@ -4181,38 +4306,29 @@
           <a:p>
             <a:r>
               <a:rPr lang="en-US" dirty="0"/>
-              <a:t>How can we make the computer understand a corpus?</a:t>
-            </a:r>
-          </a:p>
-          <a:p>
+              <a:t>How do we learn language?</a:t>
+            </a:r>
+          </a:p>
+          <a:p>
+            <a:pPr lvl="1"/>
             <a:r>
               <a:rPr lang="en-US" dirty="0"/>
-              <a:t>Need to learn how to represent corpus</a:t>
+              <a:t>Linguistic sense</a:t>
             </a:r>
           </a:p>
           <a:p>
             <a:pPr lvl="1"/>
             <a:r>
               <a:rPr lang="en-US" dirty="0"/>
-              <a:t>Structured numerical data</a:t>
+              <a:t>Context</a:t>
             </a:r>
           </a:p>
           <a:p>
             <a:pPr lvl="1"/>
-            <a:r>
-              <a:rPr lang="en-US" dirty="0"/>
-              <a:t>Feature extraction: loss of information is inevitable</a:t>
-            </a:r>
-          </a:p>
-          <a:p>
-            <a:r>
-              <a:rPr lang="en-US" dirty="0"/>
-              <a:t>How to resolve the ambiguity of </a:t>
-            </a:r>
-            <a:r>
-              <a:rPr lang="en-US"/>
-              <a:t>natural language?</a:t>
-            </a:r>
+            <a:endParaRPr lang="en-US" dirty="0"/>
+          </a:p>
+          <a:p>
+            <a:pPr lvl="1"/>
             <a:endParaRPr lang="en-US" dirty="0"/>
           </a:p>
         </p:txBody>
@@ -4220,7 +4336,7 @@
     </p:spTree>
     <p:extLst>
       <p:ext uri="{BB962C8B-B14F-4D97-AF65-F5344CB8AC3E}">
-        <p14:creationId xmlns:p14="http://schemas.microsoft.com/office/powerpoint/2010/main" val="2480765862"/>
+        <p14:creationId xmlns:p14="http://schemas.microsoft.com/office/powerpoint/2010/main" val="3379375216"/>
       </p:ext>
     </p:extLst>
   </p:cSld>
@@ -4252,6 +4368,223 @@
           <p:cNvPr id="2" name="Title 1">
             <a:extLst>
               <a:ext uri="{FF2B5EF4-FFF2-40B4-BE49-F238E27FC236}">
+                <a16:creationId xmlns:a16="http://schemas.microsoft.com/office/drawing/2014/main" id="{E4E69EB8-EB6F-F238-C714-3F161CFB0AAE}"/>
+              </a:ext>
+            </a:extLst>
+          </p:cNvPr>
+          <p:cNvSpPr>
+            <a:spLocks noGrp="1"/>
+          </p:cNvSpPr>
+          <p:nvPr>
+            <p:ph type="title"/>
+          </p:nvPr>
+        </p:nvSpPr>
+        <p:spPr/>
+        <p:txBody>
+          <a:bodyPr/>
+          <a:lstStyle/>
+          <a:p>
+            <a:r>
+              <a:rPr lang="en-US" dirty="0"/>
+              <a:t>It is hard</a:t>
+            </a:r>
+          </a:p>
+        </p:txBody>
+      </p:sp>
+      <p:sp>
+        <p:nvSpPr>
+          <p:cNvPr id="3" name="Content Placeholder 2">
+            <a:extLst>
+              <a:ext uri="{FF2B5EF4-FFF2-40B4-BE49-F238E27FC236}">
+                <a16:creationId xmlns:a16="http://schemas.microsoft.com/office/drawing/2014/main" id="{984E85C1-E770-18F5-7258-F128B8E09C96}"/>
+              </a:ext>
+            </a:extLst>
+          </p:cNvPr>
+          <p:cNvSpPr>
+            <a:spLocks noGrp="1"/>
+          </p:cNvSpPr>
+          <p:nvPr>
+            <p:ph idx="1"/>
+          </p:nvPr>
+        </p:nvSpPr>
+        <p:spPr/>
+        <p:txBody>
+          <a:bodyPr/>
+          <a:lstStyle/>
+          <a:p>
+            <a:r>
+              <a:rPr lang="en-US" dirty="0"/>
+              <a:t>More than 60 percent customers have a bad experience with a chatbot customer service</a:t>
+            </a:r>
+          </a:p>
+          <a:p>
+            <a:pPr lvl="1"/>
+            <a:r>
+              <a:rPr lang="en-US" dirty="0"/>
+              <a:t>Even in the case when the chatbot solved the situation</a:t>
+            </a:r>
+          </a:p>
+          <a:p>
+            <a:pPr lvl="1"/>
+            <a:r>
+              <a:rPr lang="en-US" dirty="0"/>
+              <a:t>Why?</a:t>
+            </a:r>
+          </a:p>
+        </p:txBody>
+      </p:sp>
+    </p:spTree>
+    <p:extLst>
+      <p:ext uri="{BB962C8B-B14F-4D97-AF65-F5344CB8AC3E}">
+        <p14:creationId xmlns:p14="http://schemas.microsoft.com/office/powerpoint/2010/main" val="1149547509"/>
+      </p:ext>
+    </p:extLst>
+  </p:cSld>
+  <p:clrMapOvr>
+    <a:masterClrMapping/>
+  </p:clrMapOvr>
+</p:sld>
+</file>
+
+<file path=ppt/slides/slide7.xml><?xml version="1.0" encoding="utf-8"?>
+<p:sld xmlns:a="http://schemas.openxmlformats.org/drawingml/2006/main" xmlns:r="http://schemas.openxmlformats.org/officeDocument/2006/relationships" xmlns:p="http://schemas.openxmlformats.org/presentationml/2006/main">
+  <p:cSld>
+    <p:spTree>
+      <p:nvGrpSpPr>
+        <p:cNvPr id="1" name=""/>
+        <p:cNvGrpSpPr/>
+        <p:nvPr/>
+      </p:nvGrpSpPr>
+      <p:grpSpPr>
+        <a:xfrm>
+          <a:off x="0" y="0"/>
+          <a:ext cx="0" cy="0"/>
+          <a:chOff x="0" y="0"/>
+          <a:chExt cx="0" cy="0"/>
+        </a:xfrm>
+      </p:grpSpPr>
+      <p:sp>
+        <p:nvSpPr>
+          <p:cNvPr id="2" name="Title 1">
+            <a:extLst>
+              <a:ext uri="{FF2B5EF4-FFF2-40B4-BE49-F238E27FC236}">
+                <a16:creationId xmlns:a16="http://schemas.microsoft.com/office/drawing/2014/main" id="{0781185C-3ABC-2FB0-EE98-A9DC08F7C70B}"/>
+              </a:ext>
+            </a:extLst>
+          </p:cNvPr>
+          <p:cNvSpPr>
+            <a:spLocks noGrp="1"/>
+          </p:cNvSpPr>
+          <p:nvPr>
+            <p:ph type="title"/>
+          </p:nvPr>
+        </p:nvSpPr>
+        <p:spPr/>
+        <p:txBody>
+          <a:bodyPr/>
+          <a:lstStyle/>
+          <a:p>
+            <a:r>
+              <a:rPr lang="en-US" dirty="0"/>
+              <a:t>Text representation</a:t>
+            </a:r>
+          </a:p>
+        </p:txBody>
+      </p:sp>
+      <p:sp>
+        <p:nvSpPr>
+          <p:cNvPr id="3" name="Content Placeholder 2">
+            <a:extLst>
+              <a:ext uri="{FF2B5EF4-FFF2-40B4-BE49-F238E27FC236}">
+                <a16:creationId xmlns:a16="http://schemas.microsoft.com/office/drawing/2014/main" id="{376C009E-1FF8-AA1F-C2A3-82B1D3380827}"/>
+              </a:ext>
+            </a:extLst>
+          </p:cNvPr>
+          <p:cNvSpPr>
+            <a:spLocks noGrp="1"/>
+          </p:cNvSpPr>
+          <p:nvPr>
+            <p:ph idx="1"/>
+          </p:nvPr>
+        </p:nvSpPr>
+        <p:spPr/>
+        <p:txBody>
+          <a:bodyPr/>
+          <a:lstStyle/>
+          <a:p>
+            <a:r>
+              <a:rPr lang="en-US" dirty="0"/>
+              <a:t>How can we make the computer understand a corpus?</a:t>
+            </a:r>
+          </a:p>
+          <a:p>
+            <a:r>
+              <a:rPr lang="en-US" dirty="0"/>
+              <a:t>Need to learn how to represent corpus</a:t>
+            </a:r>
+          </a:p>
+          <a:p>
+            <a:pPr lvl="1"/>
+            <a:r>
+              <a:rPr lang="en-US" dirty="0"/>
+              <a:t>Structured numerical data</a:t>
+            </a:r>
+          </a:p>
+          <a:p>
+            <a:pPr lvl="1"/>
+            <a:r>
+              <a:rPr lang="en-US" dirty="0"/>
+              <a:t>Feature extraction: loss of information is inevitable</a:t>
+            </a:r>
+          </a:p>
+          <a:p>
+            <a:r>
+              <a:rPr lang="en-US" dirty="0"/>
+              <a:t>How to resolve the ambiguity of </a:t>
+            </a:r>
+            <a:r>
+              <a:rPr lang="en-US"/>
+              <a:t>natural language?</a:t>
+            </a:r>
+            <a:endParaRPr lang="en-US" dirty="0"/>
+          </a:p>
+        </p:txBody>
+      </p:sp>
+    </p:spTree>
+    <p:extLst>
+      <p:ext uri="{BB962C8B-B14F-4D97-AF65-F5344CB8AC3E}">
+        <p14:creationId xmlns:p14="http://schemas.microsoft.com/office/powerpoint/2010/main" val="2480765862"/>
+      </p:ext>
+    </p:extLst>
+  </p:cSld>
+  <p:clrMapOvr>
+    <a:masterClrMapping/>
+  </p:clrMapOvr>
+</p:sld>
+</file>
+
+<file path=ppt/slides/slide8.xml><?xml version="1.0" encoding="utf-8"?>
+<p:sld xmlns:a="http://schemas.openxmlformats.org/drawingml/2006/main" xmlns:r="http://schemas.openxmlformats.org/officeDocument/2006/relationships" xmlns:p="http://schemas.openxmlformats.org/presentationml/2006/main">
+  <p:cSld>
+    <p:spTree>
+      <p:nvGrpSpPr>
+        <p:cNvPr id="1" name=""/>
+        <p:cNvGrpSpPr/>
+        <p:nvPr/>
+      </p:nvGrpSpPr>
+      <p:grpSpPr>
+        <a:xfrm>
+          <a:off x="0" y="0"/>
+          <a:ext cx="0" cy="0"/>
+          <a:chOff x="0" y="0"/>
+          <a:chExt cx="0" cy="0"/>
+        </a:xfrm>
+      </p:grpSpPr>
+      <p:sp>
+        <p:nvSpPr>
+          <p:cNvPr id="2" name="Title 1">
+            <a:extLst>
+              <a:ext uri="{FF2B5EF4-FFF2-40B4-BE49-F238E27FC236}">
                 <a16:creationId xmlns:a16="http://schemas.microsoft.com/office/drawing/2014/main" id="{FFF505D5-E99B-0C75-8E55-29958325EBBD}"/>
               </a:ext>
             </a:extLst>
@@ -4323,7 +4656,7 @@
 </p:sld>
 </file>
 
-<file path=ppt/slides/slide7.xml><?xml version="1.0" encoding="utf-8"?>
+<file path=ppt/slides/slide9.xml><?xml version="1.0" encoding="utf-8"?>
 <p:sld xmlns:a="http://schemas.openxmlformats.org/drawingml/2006/main" xmlns:r="http://schemas.openxmlformats.org/officeDocument/2006/relationships" xmlns:p="http://schemas.openxmlformats.org/presentationml/2006/main">
   <p:cSld>
     <p:spTree>
